--- a/ProjectPresentation.pptx
+++ b/ProjectPresentation.pptx
@@ -810,7 +810,7 @@
       </p:grpSpPr>
       <p:sp>
         <p:nvSpPr>
-          <p:cNvPr id="57" name="Google Shape;57;g84bb77829d_4_0:notes"/>
+          <p:cNvPr id="57" name="Google Shape;57;g84bb77829d_0_0:notes"/>
           <p:cNvSpPr/>
           <p:nvPr>
             <p:ph idx="2" type="sldImg"/>
@@ -845,7 +845,7 @@
       </p:sp>
       <p:sp>
         <p:nvSpPr>
-          <p:cNvPr id="58" name="Google Shape;58;g84bb77829d_4_0:notes"/>
+          <p:cNvPr id="58" name="Google Shape;58;g84bb77829d_0_0:notes"/>
           <p:cNvSpPr txBox="1"/>
           <p:nvPr>
             <p:ph idx="1" type="body"/>
@@ -909,7 +909,7 @@
       </p:grpSpPr>
       <p:sp>
         <p:nvSpPr>
-          <p:cNvPr id="64" name="Google Shape;64;g84bb77829d_0_0:notes"/>
+          <p:cNvPr id="64" name="Google Shape;64;g8525cac349_1_0:notes"/>
           <p:cNvSpPr/>
           <p:nvPr>
             <p:ph idx="2" type="sldImg"/>
@@ -944,7 +944,7 @@
       </p:sp>
       <p:sp>
         <p:nvSpPr>
-          <p:cNvPr id="65" name="Google Shape;65;g84bb77829d_0_0:notes"/>
+          <p:cNvPr id="65" name="Google Shape;65;g8525cac349_1_0:notes"/>
           <p:cNvSpPr txBox="1"/>
           <p:nvPr>
             <p:ph idx="1" type="body"/>
@@ -994,7 +994,7 @@
   <p:cSld>
     <p:spTree>
       <p:nvGrpSpPr>
-        <p:cNvPr id="70" name="Shape 70"/>
+        <p:cNvPr id="72" name="Shape 72"/>
         <p:cNvGrpSpPr/>
         <p:nvPr/>
       </p:nvGrpSpPr>
@@ -1008,7 +1008,7 @@
       </p:grpSpPr>
       <p:sp>
         <p:nvSpPr>
-          <p:cNvPr id="71" name="Google Shape;71;g84bb77829d_4_6:notes"/>
+          <p:cNvPr id="73" name="Google Shape;73;g84bb77829d_4_6:notes"/>
           <p:cNvSpPr/>
           <p:nvPr>
             <p:ph idx="2" type="sldImg"/>
@@ -1043,7 +1043,7 @@
       </p:sp>
       <p:sp>
         <p:nvSpPr>
-          <p:cNvPr id="72" name="Google Shape;72;g84bb77829d_4_6:notes"/>
+          <p:cNvPr id="74" name="Google Shape;74;g84bb77829d_4_6:notes"/>
           <p:cNvSpPr txBox="1"/>
           <p:nvPr>
             <p:ph idx="1" type="body"/>
@@ -1093,7 +1093,7 @@
   <p:cSld>
     <p:spTree>
       <p:nvGrpSpPr>
-        <p:cNvPr id="79" name="Shape 79"/>
+        <p:cNvPr id="81" name="Shape 81"/>
         <p:cNvGrpSpPr/>
         <p:nvPr/>
       </p:nvGrpSpPr>
@@ -1107,7 +1107,7 @@
       </p:grpSpPr>
       <p:sp>
         <p:nvSpPr>
-          <p:cNvPr id="80" name="Google Shape;80;g84bb77829d_4_11:notes"/>
+          <p:cNvPr id="82" name="Google Shape;82;g84bb77829d_4_11:notes"/>
           <p:cNvSpPr/>
           <p:nvPr>
             <p:ph idx="2" type="sldImg"/>
@@ -1142,7 +1142,7 @@
       </p:sp>
       <p:sp>
         <p:nvSpPr>
-          <p:cNvPr id="81" name="Google Shape;81;g84bb77829d_4_11:notes"/>
+          <p:cNvPr id="83" name="Google Shape;83;g84bb77829d_4_11:notes"/>
           <p:cNvSpPr txBox="1"/>
           <p:nvPr>
             <p:ph idx="1" type="body"/>
@@ -1192,7 +1192,7 @@
   <p:cSld>
     <p:spTree>
       <p:nvGrpSpPr>
-        <p:cNvPr id="86" name="Shape 86"/>
+        <p:cNvPr id="88" name="Shape 88"/>
         <p:cNvGrpSpPr/>
         <p:nvPr/>
       </p:nvGrpSpPr>
@@ -1206,7 +1206,7 @@
       </p:grpSpPr>
       <p:sp>
         <p:nvSpPr>
-          <p:cNvPr id="87" name="Google Shape;87;g84bb77829d_4_20:notes"/>
+          <p:cNvPr id="89" name="Google Shape;89;g84bb77829d_4_20:notes"/>
           <p:cNvSpPr/>
           <p:nvPr>
             <p:ph idx="2" type="sldImg"/>
@@ -1241,7 +1241,7 @@
       </p:sp>
       <p:sp>
         <p:nvSpPr>
-          <p:cNvPr id="88" name="Google Shape;88;g84bb77829d_4_20:notes"/>
+          <p:cNvPr id="90" name="Google Shape;90;g84bb77829d_4_20:notes"/>
           <p:cNvSpPr txBox="1"/>
           <p:nvPr>
             <p:ph idx="1" type="body"/>
@@ -1291,7 +1291,7 @@
   <p:cSld>
     <p:spTree>
       <p:nvGrpSpPr>
-        <p:cNvPr id="93" name="Shape 93"/>
+        <p:cNvPr id="95" name="Shape 95"/>
         <p:cNvGrpSpPr/>
         <p:nvPr/>
       </p:nvGrpSpPr>
@@ -1305,7 +1305,7 @@
       </p:grpSpPr>
       <p:sp>
         <p:nvSpPr>
-          <p:cNvPr id="94" name="Google Shape;94;g84bb77829d_4_31:notes"/>
+          <p:cNvPr id="96" name="Google Shape;96;g84bb77829d_4_31:notes"/>
           <p:cNvSpPr/>
           <p:nvPr>
             <p:ph idx="2" type="sldImg"/>
@@ -1340,7 +1340,7 @@
       </p:sp>
       <p:sp>
         <p:nvSpPr>
-          <p:cNvPr id="95" name="Google Shape;95;g84bb77829d_4_31:notes"/>
+          <p:cNvPr id="97" name="Google Shape;97;g84bb77829d_4_31:notes"/>
           <p:cNvSpPr txBox="1"/>
           <p:nvPr>
             <p:ph idx="1" type="body"/>
@@ -6061,8 +6061,8 @@
         </p:nvSpPr>
         <p:spPr>
           <a:xfrm>
-            <a:off x="311708" y="744575"/>
-            <a:ext cx="8520600" cy="2052600"/>
+            <a:off x="311700" y="744575"/>
+            <a:ext cx="8520600" cy="1047000"/>
           </a:xfrm>
           <a:prstGeom prst="rect">
             <a:avLst/>
@@ -6085,7 +6085,7 @@
             </a:pPr>
             <a:r>
               <a:rPr lang="ru"/>
-              <a:t>Robotics</a:t>
+              <a:t>Robotics Game Server</a:t>
             </a:r>
             <a:endParaRPr/>
           </a:p>
@@ -6101,7 +6101,7 @@
         </p:nvSpPr>
         <p:spPr>
           <a:xfrm>
-            <a:off x="311700" y="2834125"/>
+            <a:off x="311700" y="2366525"/>
             <a:ext cx="8520600" cy="792600"/>
           </a:xfrm>
           <a:prstGeom prst="rect">
@@ -6124,7 +6124,56 @@
               <a:buNone/>
             </a:pPr>
             <a:r>
-              <a:t/>
+              <a:rPr lang="ru"/>
+              <a:t>V. Chernikov</a:t>
+            </a:r>
+            <a:endParaRPr/>
+          </a:p>
+          <a:p>
+            <a:pPr indent="0" lvl="0" marL="0" rtl="0" algn="ctr">
+              <a:spcBef>
+                <a:spcPts val="0"/>
+              </a:spcBef>
+              <a:spcAft>
+                <a:spcPts val="0"/>
+              </a:spcAft>
+              <a:buNone/>
+            </a:pPr>
+            <a:r>
+              <a:rPr lang="ru"/>
+              <a:t>O. Markelov</a:t>
+            </a:r>
+            <a:endParaRPr/>
+          </a:p>
+          <a:p>
+            <a:pPr indent="0" lvl="0" marL="0" rtl="0" algn="ctr">
+              <a:spcBef>
+                <a:spcPts val="0"/>
+              </a:spcBef>
+              <a:spcAft>
+                <a:spcPts val="0"/>
+              </a:spcAft>
+              <a:buNone/>
+            </a:pPr>
+            <a:r>
+              <a:rPr lang="ru"/>
+              <a:t>S. Morozov</a:t>
+            </a:r>
+            <a:endParaRPr/>
+          </a:p>
+          <a:p>
+            <a:pPr indent="0" lvl="0" marL="0" rtl="0" algn="ctr">
+              <a:spcBef>
+                <a:spcPts val="0"/>
+              </a:spcBef>
+              <a:spcAft>
+                <a:spcPts val="0"/>
+              </a:spcAft>
+              <a:buNone/>
+            </a:pPr>
+            <a:r>
+              <a:rPr lang="ru"/>
+              <a:t>I. Shatalov</a:t>
             </a:r>
             <a:endParaRPr/>
           </a:p>
@@ -6189,7 +6238,7 @@
             </a:pPr>
             <a:r>
               <a:rPr lang="ru"/>
-              <a:t>Our team</a:t>
+              <a:t>Our goal</a:t>
             </a:r>
             <a:endParaRPr/>
           </a:p>
@@ -6218,7 +6267,7 @@
           </a:bodyPr>
           <a:lstStyle/>
           <a:p>
-            <a:pPr indent="-361950" lvl="0" marL="457200" rtl="0" algn="l">
+            <a:pPr indent="-342900" lvl="0" marL="457200" rtl="0" algn="l">
               <a:lnSpc>
                 <a:spcPct val="200000"/>
               </a:lnSpc>
@@ -6228,17 +6277,17 @@
               <a:spcAft>
                 <a:spcPts val="0"/>
               </a:spcAft>
-              <a:buSzPts val="2100"/>
+              <a:buSzPts val="1800"/>
               <a:buChar char="●"/>
             </a:pPr>
             <a:r>
-              <a:rPr lang="ru" sz="2100"/>
-              <a:t>V. Chernikov</a:t>
+              <a:rPr lang="ru"/>
+              <a:t>To gain experience in software development, including:</a:t>
             </a:r>
-            <a:endParaRPr sz="2100"/>
+            <a:endParaRPr/>
           </a:p>
           <a:p>
-            <a:pPr indent="-361950" lvl="0" marL="457200" rtl="0" algn="l">
+            <a:pPr indent="-317500" lvl="1" marL="914400" rtl="0" algn="l">
               <a:lnSpc>
                 <a:spcPct val="200000"/>
               </a:lnSpc>
@@ -6248,17 +6297,17 @@
               <a:spcAft>
                 <a:spcPts val="0"/>
               </a:spcAft>
-              <a:buSzPts val="2100"/>
-              <a:buChar char="●"/>
+              <a:buSzPts val="1400"/>
+              <a:buChar char="○"/>
             </a:pPr>
             <a:r>
-              <a:rPr lang="ru" sz="2100"/>
-              <a:t>O. Markelov</a:t>
+              <a:rPr lang="ru"/>
+              <a:t>Working in a team</a:t>
             </a:r>
-            <a:endParaRPr sz="2100"/>
+            <a:endParaRPr/>
           </a:p>
           <a:p>
-            <a:pPr indent="-361950" lvl="0" marL="457200" rtl="0" algn="l">
+            <a:pPr indent="-317500" lvl="1" marL="914400" rtl="0" algn="l">
               <a:lnSpc>
                 <a:spcPct val="200000"/>
               </a:lnSpc>
@@ -6268,17 +6317,17 @@
               <a:spcAft>
                 <a:spcPts val="0"/>
               </a:spcAft>
-              <a:buSzPts val="2100"/>
-              <a:buChar char="●"/>
+              <a:buSzPts val="1400"/>
+              <a:buChar char="○"/>
             </a:pPr>
             <a:r>
-              <a:rPr lang="ru" sz="2100"/>
-              <a:t>S. Morozov</a:t>
+              <a:rPr lang="ru"/>
+              <a:t>Setting requirements for the project</a:t>
             </a:r>
-            <a:endParaRPr sz="2100"/>
+            <a:endParaRPr/>
           </a:p>
           <a:p>
-            <a:pPr indent="-361950" lvl="0" marL="457200" rtl="0" algn="l">
+            <a:pPr indent="-317500" lvl="1" marL="914400" rtl="0" algn="l">
               <a:lnSpc>
                 <a:spcPct val="200000"/>
               </a:lnSpc>
@@ -6288,14 +6337,74 @@
               <a:spcAft>
                 <a:spcPts val="0"/>
               </a:spcAft>
-              <a:buSzPts val="2100"/>
-              <a:buChar char="●"/>
+              <a:buSzPts val="1400"/>
+              <a:buChar char="○"/>
             </a:pPr>
             <a:r>
-              <a:rPr lang="ru" sz="2100"/>
-              <a:t>I. Shatalov</a:t>
+              <a:rPr lang="ru"/>
+              <a:t>Defining project architecture</a:t>
             </a:r>
-            <a:endParaRPr sz="2100"/>
+            <a:endParaRPr/>
+          </a:p>
+          <a:p>
+            <a:pPr indent="-317500" lvl="1" marL="914400" rtl="0" algn="l">
+              <a:lnSpc>
+                <a:spcPct val="200000"/>
+              </a:lnSpc>
+              <a:spcBef>
+                <a:spcPts val="0"/>
+              </a:spcBef>
+              <a:spcAft>
+                <a:spcPts val="0"/>
+              </a:spcAft>
+              <a:buSzPts val="1400"/>
+              <a:buChar char="○"/>
+            </a:pPr>
+            <a:r>
+              <a:rPr lang="ru"/>
+              <a:t>Researching technologies required for the project</a:t>
+            </a:r>
+            <a:endParaRPr/>
+          </a:p>
+          <a:p>
+            <a:pPr indent="-317500" lvl="1" marL="914400" rtl="0" algn="l">
+              <a:lnSpc>
+                <a:spcPct val="200000"/>
+              </a:lnSpc>
+              <a:spcBef>
+                <a:spcPts val="0"/>
+              </a:spcBef>
+              <a:spcAft>
+                <a:spcPts val="0"/>
+              </a:spcAft>
+              <a:buSzPts val="1400"/>
+              <a:buChar char="○"/>
+            </a:pPr>
+            <a:r>
+              <a:rPr lang="ru"/>
+              <a:t>Implementing the solution</a:t>
+            </a:r>
+            <a:endParaRPr/>
+          </a:p>
+          <a:p>
+            <a:pPr indent="-317500" lvl="1" marL="914400" rtl="0" algn="l">
+              <a:lnSpc>
+                <a:spcPct val="200000"/>
+              </a:lnSpc>
+              <a:spcBef>
+                <a:spcPts val="0"/>
+              </a:spcBef>
+              <a:spcAft>
+                <a:spcPts val="0"/>
+              </a:spcAft>
+              <a:buSzPts val="1400"/>
+              <a:buChar char="○"/>
+            </a:pPr>
+            <a:r>
+              <a:rPr lang="ru"/>
+              <a:t>Presenting the project</a:t>
+            </a:r>
+            <a:endParaRPr/>
           </a:p>
         </p:txBody>
       </p:sp>
@@ -6414,7 +6523,7 @@
             </a:pPr>
             <a:r>
               <a:rPr lang="ru"/>
-              <a:t>Our goal</a:t>
+              <a:t>Project objective</a:t>
             </a:r>
             <a:endParaRPr/>
           </a:p>
@@ -6431,7 +6540,7 @@
         <p:spPr>
           <a:xfrm>
             <a:off x="311700" y="1152475"/>
-            <a:ext cx="8520600" cy="3416400"/>
+            <a:ext cx="5301600" cy="3416400"/>
           </a:xfrm>
           <a:prstGeom prst="rect">
             <a:avLst/>
@@ -6443,10 +6552,23 @@
           </a:bodyPr>
           <a:lstStyle/>
           <a:p>
+            <a:pPr indent="0" lvl="0" marL="0" rtl="0" algn="l">
+              <a:spcBef>
+                <a:spcPts val="0"/>
+              </a:spcBef>
+              <a:spcAft>
+                <a:spcPts val="0"/>
+              </a:spcAft>
+              <a:buNone/>
+            </a:pPr>
+            <a:r>
+              <a:rPr lang="ru"/>
+              <a:t>Robots play an increasingly important role in our life. They include:</a:t>
+            </a:r>
+            <a:endParaRPr/>
+          </a:p>
+          <a:p>
             <a:pPr indent="-342900" lvl="0" marL="457200" rtl="0" algn="l">
-              <a:lnSpc>
-                <a:spcPct val="200000"/>
-              </a:lnSpc>
               <a:spcBef>
                 <a:spcPts val="0"/>
               </a:spcBef>
@@ -6458,127 +6580,91 @@
             </a:pPr>
             <a:r>
               <a:rPr lang="ru"/>
-              <a:t>To gain experience in software development, including:</a:t>
+              <a:t>Robotic vacuum cleaners</a:t>
             </a:r>
             <a:endParaRPr/>
           </a:p>
           <a:p>
-            <a:pPr indent="-317500" lvl="1" marL="914400" rtl="0" algn="l">
-              <a:lnSpc>
-                <a:spcPct val="200000"/>
-              </a:lnSpc>
-              <a:spcBef>
-                <a:spcPts val="0"/>
-              </a:spcBef>
-              <a:spcAft>
-                <a:spcPts val="0"/>
-              </a:spcAft>
-              <a:buSzPts val="1400"/>
-              <a:buChar char="○"/>
+            <a:pPr indent="-342900" lvl="0" marL="457200" rtl="0" algn="l">
+              <a:spcBef>
+                <a:spcPts val="0"/>
+              </a:spcBef>
+              <a:spcAft>
+                <a:spcPts val="0"/>
+              </a:spcAft>
+              <a:buSzPts val="1800"/>
+              <a:buChar char="●"/>
             </a:pPr>
             <a:r>
               <a:rPr lang="ru"/>
-              <a:t>Working in a team</a:t>
+              <a:t>Smart homes</a:t>
             </a:r>
             <a:endParaRPr/>
           </a:p>
           <a:p>
-            <a:pPr indent="-317500" lvl="1" marL="914400" rtl="0" algn="l">
-              <a:lnSpc>
-                <a:spcPct val="200000"/>
-              </a:lnSpc>
-              <a:spcBef>
-                <a:spcPts val="0"/>
-              </a:spcBef>
-              <a:spcAft>
-                <a:spcPts val="0"/>
-              </a:spcAft>
-              <a:buSzPts val="1400"/>
-              <a:buChar char="○"/>
+            <a:pPr indent="-342900" lvl="0" marL="457200" rtl="0" algn="l">
+              <a:spcBef>
+                <a:spcPts val="0"/>
+              </a:spcBef>
+              <a:spcAft>
+                <a:spcPts val="0"/>
+              </a:spcAft>
+              <a:buSzPts val="1800"/>
+              <a:buChar char="●"/>
             </a:pPr>
             <a:r>
               <a:rPr lang="ru"/>
-              <a:t>Setting requirements for the project</a:t>
+              <a:t>Self-driving cars</a:t>
             </a:r>
             <a:endParaRPr/>
           </a:p>
           <a:p>
-            <a:pPr indent="-317500" lvl="1" marL="914400" rtl="0" algn="l">
-              <a:lnSpc>
-                <a:spcPct val="200000"/>
-              </a:lnSpc>
-              <a:spcBef>
-                <a:spcPts val="0"/>
-              </a:spcBef>
-              <a:spcAft>
-                <a:spcPts val="0"/>
-              </a:spcAft>
-              <a:buSzPts val="1400"/>
-              <a:buChar char="○"/>
+            <a:pPr indent="-342900" lvl="0" marL="457200" rtl="0" algn="l">
+              <a:spcBef>
+                <a:spcPts val="0"/>
+              </a:spcBef>
+              <a:spcAft>
+                <a:spcPts val="0"/>
+              </a:spcAft>
+              <a:buSzPts val="1800"/>
+              <a:buChar char="●"/>
             </a:pPr>
             <a:r>
               <a:rPr lang="ru"/>
-              <a:t>Defining project architecture</a:t>
+              <a:t>Industrial robots</a:t>
             </a:r>
             <a:endParaRPr/>
           </a:p>
           <a:p>
-            <a:pPr indent="-317500" lvl="1" marL="914400" rtl="0" algn="l">
-              <a:lnSpc>
-                <a:spcPct val="200000"/>
-              </a:lnSpc>
-              <a:spcBef>
-                <a:spcPts val="0"/>
-              </a:spcBef>
-              <a:spcAft>
-                <a:spcPts val="0"/>
-              </a:spcAft>
-              <a:buSzPts val="1400"/>
-              <a:buChar char="○"/>
+            <a:pPr indent="-342900" lvl="0" marL="457200" rtl="0" algn="l">
+              <a:spcBef>
+                <a:spcPts val="0"/>
+              </a:spcBef>
+              <a:spcAft>
+                <a:spcPts val="0"/>
+              </a:spcAft>
+              <a:buSzPts val="1800"/>
+              <a:buChar char="●"/>
             </a:pPr>
             <a:r>
               <a:rPr lang="ru"/>
-              <a:t>Researching technologies required for the project</a:t>
+              <a:t>etc.</a:t>
             </a:r>
             <a:endParaRPr/>
           </a:p>
           <a:p>
-            <a:pPr indent="-317500" lvl="1" marL="914400" rtl="0" algn="l">
-              <a:lnSpc>
-                <a:spcPct val="200000"/>
-              </a:lnSpc>
-              <a:spcBef>
-                <a:spcPts val="0"/>
-              </a:spcBef>
-              <a:spcAft>
-                <a:spcPts val="0"/>
-              </a:spcAft>
-              <a:buSzPts val="1400"/>
-              <a:buChar char="○"/>
+            <a:pPr indent="0" lvl="0" marL="0" rtl="0" algn="l">
+              <a:spcBef>
+                <a:spcPts val="0"/>
+              </a:spcBef>
+              <a:spcAft>
+                <a:spcPts val="0"/>
+              </a:spcAft>
+              <a:buNone/>
             </a:pPr>
             <a:r>
               <a:rPr lang="ru"/>
-              <a:t>Implementing the solution</a:t>
-            </a:r>
-            <a:endParaRPr/>
-          </a:p>
-          <a:p>
-            <a:pPr indent="-317500" lvl="1" marL="914400" rtl="0" algn="l">
-              <a:lnSpc>
-                <a:spcPct val="200000"/>
-              </a:lnSpc>
-              <a:spcBef>
-                <a:spcPts val="0"/>
-              </a:spcBef>
-              <a:spcAft>
-                <a:spcPts val="0"/>
-              </a:spcAft>
-              <a:buSzPts val="1400"/>
-              <a:buChar char="○"/>
-            </a:pPr>
-            <a:r>
-              <a:rPr lang="ru"/>
-              <a:t>Presenting the project</a:t>
+              <a:t>Software for these systems gets more and more complicated, and it requires a higher number of skilled developers. This means a higher demand for teaching tools in this field.</a:t>
             </a:r>
             <a:endParaRPr/>
           </a:p>
@@ -6617,29 +6703,69 @@
               <a:buNone/>
             </a:pPr>
             <a:fld id="{00000000-1234-1234-1234-123412341234}" type="slidenum">
-              <a:rPr lang="ru">
-                <a:solidFill>
-                  <a:schemeClr val="dk2"/>
-                </a:solidFill>
-                <a:latin typeface="Arial"/>
-                <a:ea typeface="Arial"/>
-                <a:cs typeface="Arial"/>
-                <a:sym typeface="Arial"/>
-              </a:rPr>
+              <a:rPr lang="ru"/>
               <a:t>‹#›</a:t>
             </a:fld>
-            <a:endParaRPr>
-              <a:solidFill>
-                <a:schemeClr val="dk2"/>
-              </a:solidFill>
-              <a:latin typeface="Arial"/>
-              <a:ea typeface="Arial"/>
-              <a:cs typeface="Arial"/>
-              <a:sym typeface="Arial"/>
-            </a:endParaRPr>
+            <a:endParaRPr/>
           </a:p>
         </p:txBody>
       </p:sp>
+      <p:pic>
+        <p:nvPicPr>
+          <p:cNvPr id="70" name="Google Shape;70;p15"/>
+          <p:cNvPicPr preferRelativeResize="0"/>
+          <p:nvPr/>
+        </p:nvPicPr>
+        <p:blipFill>
+          <a:blip r:embed="rId3">
+            <a:alphaModFix/>
+          </a:blip>
+          <a:stretch>
+            <a:fillRect/>
+          </a:stretch>
+        </p:blipFill>
+        <p:spPr>
+          <a:xfrm>
+            <a:off x="6083025" y="2365275"/>
+            <a:ext cx="2938125" cy="2203599"/>
+          </a:xfrm>
+          <a:prstGeom prst="rect">
+            <a:avLst/>
+          </a:prstGeom>
+          <a:noFill/>
+          <a:ln>
+            <a:noFill/>
+          </a:ln>
+        </p:spPr>
+      </p:pic>
+      <p:pic>
+        <p:nvPicPr>
+          <p:cNvPr id="71" name="Google Shape;71;p15"/>
+          <p:cNvPicPr preferRelativeResize="0"/>
+          <p:nvPr/>
+        </p:nvPicPr>
+        <p:blipFill>
+          <a:blip r:embed="rId4">
+            <a:alphaModFix/>
+          </a:blip>
+          <a:stretch>
+            <a:fillRect/>
+          </a:stretch>
+        </p:blipFill>
+        <p:spPr>
+          <a:xfrm>
+            <a:off x="6083025" y="364525"/>
+            <a:ext cx="2938127" cy="1837964"/>
+          </a:xfrm>
+          <a:prstGeom prst="rect">
+            <a:avLst/>
+          </a:prstGeom>
+          <a:noFill/>
+          <a:ln>
+            <a:noFill/>
+          </a:ln>
+        </p:spPr>
+      </p:pic>
     </p:spTree>
   </p:cSld>
   <p:clrMapOvr>
@@ -6653,7 +6779,7 @@
   <p:cSld>
     <p:spTree>
       <p:nvGrpSpPr>
-        <p:cNvPr id="73" name="Shape 73"/>
+        <p:cNvPr id="75" name="Shape 75"/>
         <p:cNvGrpSpPr/>
         <p:nvPr/>
       </p:nvGrpSpPr>
@@ -6667,7 +6793,7 @@
       </p:grpSpPr>
       <p:sp>
         <p:nvSpPr>
-          <p:cNvPr id="74" name="Google Shape;74;p16"/>
+          <p:cNvPr id="76" name="Google Shape;76;p16"/>
           <p:cNvSpPr txBox="1"/>
           <p:nvPr>
             <p:ph type="title"/>
@@ -6707,7 +6833,7 @@
       </p:sp>
       <p:sp>
         <p:nvSpPr>
-          <p:cNvPr id="75" name="Google Shape;75;p16"/>
+          <p:cNvPr id="77" name="Google Shape;77;p16"/>
           <p:cNvSpPr txBox="1"/>
           <p:nvPr>
             <p:ph idx="1" type="body"/>
@@ -6751,7 +6877,7 @@
       </p:sp>
       <p:sp>
         <p:nvSpPr>
-          <p:cNvPr id="76" name="Google Shape;76;p16"/>
+          <p:cNvPr id="78" name="Google Shape;78;p16"/>
           <p:cNvSpPr txBox="1"/>
           <p:nvPr>
             <p:ph idx="12" type="sldNum"/>
@@ -6807,7 +6933,7 @@
       </p:sp>
       <p:pic>
         <p:nvPicPr>
-          <p:cNvPr id="77" name="Google Shape;77;p16"/>
+          <p:cNvPr id="79" name="Google Shape;79;p16"/>
           <p:cNvPicPr preferRelativeResize="0"/>
           <p:nvPr/>
         </p:nvPicPr>
@@ -6835,7 +6961,7 @@
       </p:pic>
       <p:sp>
         <p:nvSpPr>
-          <p:cNvPr id="78" name="Google Shape;78;p16"/>
+          <p:cNvPr id="80" name="Google Shape;80;p16"/>
           <p:cNvSpPr txBox="1"/>
           <p:nvPr/>
         </p:nvSpPr>
@@ -6888,7 +7014,7 @@
   <p:cSld>
     <p:spTree>
       <p:nvGrpSpPr>
-        <p:cNvPr id="82" name="Shape 82"/>
+        <p:cNvPr id="84" name="Shape 84"/>
         <p:cNvGrpSpPr/>
         <p:nvPr/>
       </p:nvGrpSpPr>
@@ -6902,7 +7028,7 @@
       </p:grpSpPr>
       <p:sp>
         <p:nvSpPr>
-          <p:cNvPr id="83" name="Google Shape;83;p17"/>
+          <p:cNvPr id="85" name="Google Shape;85;p17"/>
           <p:cNvSpPr txBox="1"/>
           <p:nvPr>
             <p:ph type="title"/>
@@ -6942,7 +7068,7 @@
       </p:sp>
       <p:sp>
         <p:nvSpPr>
-          <p:cNvPr id="84" name="Google Shape;84;p17"/>
+          <p:cNvPr id="86" name="Google Shape;86;p17"/>
           <p:cNvSpPr txBox="1"/>
           <p:nvPr>
             <p:ph idx="1" type="body"/>
@@ -7046,7 +7172,7 @@
       </p:sp>
       <p:sp>
         <p:nvSpPr>
-          <p:cNvPr id="85" name="Google Shape;85;p17"/>
+          <p:cNvPr id="87" name="Google Shape;87;p17"/>
           <p:cNvSpPr txBox="1"/>
           <p:nvPr>
             <p:ph idx="12" type="sldNum"/>
@@ -7113,7 +7239,7 @@
   <p:cSld>
     <p:spTree>
       <p:nvGrpSpPr>
-        <p:cNvPr id="89" name="Shape 89"/>
+        <p:cNvPr id="91" name="Shape 91"/>
         <p:cNvGrpSpPr/>
         <p:nvPr/>
       </p:nvGrpSpPr>
@@ -7127,7 +7253,7 @@
       </p:grpSpPr>
       <p:sp>
         <p:nvSpPr>
-          <p:cNvPr id="90" name="Google Shape;90;p18"/>
+          <p:cNvPr id="92" name="Google Shape;92;p18"/>
           <p:cNvSpPr txBox="1"/>
           <p:nvPr>
             <p:ph type="title"/>
@@ -7171,7 +7297,7 @@
       </p:sp>
       <p:sp>
         <p:nvSpPr>
-          <p:cNvPr id="91" name="Google Shape;91;p18"/>
+          <p:cNvPr id="93" name="Google Shape;93;p18"/>
           <p:cNvSpPr txBox="1"/>
           <p:nvPr>
             <p:ph idx="1" type="body"/>
@@ -7263,7 +7389,7 @@
       </p:sp>
       <p:sp>
         <p:nvSpPr>
-          <p:cNvPr id="92" name="Google Shape;92;p18"/>
+          <p:cNvPr id="94" name="Google Shape;94;p18"/>
           <p:cNvSpPr txBox="1"/>
           <p:nvPr>
             <p:ph idx="12" type="sldNum"/>
@@ -7330,7 +7456,7 @@
   <p:cSld>
     <p:spTree>
       <p:nvGrpSpPr>
-        <p:cNvPr id="96" name="Shape 96"/>
+        <p:cNvPr id="98" name="Shape 98"/>
         <p:cNvGrpSpPr/>
         <p:nvPr/>
       </p:nvGrpSpPr>
@@ -7344,7 +7470,7 @@
       </p:grpSpPr>
       <p:sp>
         <p:nvSpPr>
-          <p:cNvPr id="97" name="Google Shape;97;p19"/>
+          <p:cNvPr id="99" name="Google Shape;99;p19"/>
           <p:cNvSpPr txBox="1"/>
           <p:nvPr>
             <p:ph type="title"/>
@@ -7384,7 +7510,7 @@
       </p:sp>
       <p:sp>
         <p:nvSpPr>
-          <p:cNvPr id="98" name="Google Shape;98;p19"/>
+          <p:cNvPr id="100" name="Google Shape;100;p19"/>
           <p:cNvSpPr txBox="1"/>
           <p:nvPr>
             <p:ph idx="1" type="body"/>
@@ -7528,7 +7654,7 @@
       </p:sp>
       <p:sp>
         <p:nvSpPr>
-          <p:cNvPr id="99" name="Google Shape;99;p19"/>
+          <p:cNvPr id="101" name="Google Shape;101;p19"/>
           <p:cNvSpPr txBox="1"/>
           <p:nvPr>
             <p:ph idx="12" type="sldNum"/>
